--- a/Stop_and_Frisk_2012.pptx
+++ b/Stop_and_Frisk_2012.pptx
@@ -3275,7 +3275,6 @@
               <a:rPr lang="en-US" dirty="0" smtClean="0"/>
               <a:t>More visualizations. </a:t>
             </a:r>
-            <a:endParaRPr lang="en-US" dirty="0" smtClean="0"/>
           </a:p>
           <a:p>
             <a:endParaRPr lang="en-US" dirty="0"/>
@@ -4030,6 +4029,12 @@
             <a:r>
               <a:rPr lang="en-US" dirty="0" smtClean="0"/>
               <a:t>.</a:t>
+            </a:r>
+          </a:p>
+          <a:p>
+            <a:r>
+              <a:rPr lang="en-US" dirty="0" smtClean="0"/>
+              <a:t>Running different models helped me to confirm that “race”, “sex”, and “age” were strong at predicting if someone was to get frisked. </a:t>
             </a:r>
             <a:endParaRPr lang="en-US" dirty="0" smtClean="0"/>
           </a:p>
